--- a/ICCB_koala_sdm_slides.pptx
+++ b/ICCB_koala_sdm_slides.pptx
@@ -143,7 +143,7 @@
   <pc:docChgLst>
     <pc:chgData name="Charlotte Ruby Patterson" userId="5e4f2a4d-4d7e-4526-8ff8-c9f44bf0b6b7" providerId="ADAL" clId="{D31FD800-5519-4CBD-B48F-1780726ABED0}"/>
     <pc:docChg chg="undo custSel addSld delSld modSld sldOrd">
-      <pc:chgData name="Charlotte Ruby Patterson" userId="5e4f2a4d-4d7e-4526-8ff8-c9f44bf0b6b7" providerId="ADAL" clId="{D31FD800-5519-4CBD-B48F-1780726ABED0}" dt="2025-04-15T00:26:25.626" v="1595" actId="20577"/>
+      <pc:chgData name="Charlotte Ruby Patterson" userId="5e4f2a4d-4d7e-4526-8ff8-c9f44bf0b6b7" providerId="ADAL" clId="{D31FD800-5519-4CBD-B48F-1780726ABED0}" dt="2025-04-15T00:39:39.362" v="1626" actId="20577"/>
       <pc:docMkLst>
         <pc:docMk/>
       </pc:docMkLst>
@@ -314,7 +314,7 @@
         </pc:spChg>
       </pc:sldChg>
       <pc:sldChg chg="addSp delSp modSp new mod">
-        <pc:chgData name="Charlotte Ruby Patterson" userId="5e4f2a4d-4d7e-4526-8ff8-c9f44bf0b6b7" providerId="ADAL" clId="{D31FD800-5519-4CBD-B48F-1780726ABED0}" dt="2025-04-03T01:27:27.746" v="543" actId="1076"/>
+        <pc:chgData name="Charlotte Ruby Patterson" userId="5e4f2a4d-4d7e-4526-8ff8-c9f44bf0b6b7" providerId="ADAL" clId="{D31FD800-5519-4CBD-B48F-1780726ABED0}" dt="2025-04-15T00:39:12.306" v="1597" actId="1076"/>
         <pc:sldMkLst>
           <pc:docMk/>
           <pc:sldMk cId="331342616" sldId="264"/>
@@ -336,7 +336,7 @@
           </ac:picMkLst>
         </pc:picChg>
         <pc:picChg chg="add mod">
-          <ac:chgData name="Charlotte Ruby Patterson" userId="5e4f2a4d-4d7e-4526-8ff8-c9f44bf0b6b7" providerId="ADAL" clId="{D31FD800-5519-4CBD-B48F-1780726ABED0}" dt="2025-04-03T01:27:27.746" v="543" actId="1076"/>
+          <ac:chgData name="Charlotte Ruby Patterson" userId="5e4f2a4d-4d7e-4526-8ff8-c9f44bf0b6b7" providerId="ADAL" clId="{D31FD800-5519-4CBD-B48F-1780726ABED0}" dt="2025-04-15T00:39:12.306" v="1597" actId="1076"/>
           <ac:picMkLst>
             <pc:docMk/>
             <pc:sldMk cId="331342616" sldId="264"/>
@@ -345,7 +345,7 @@
         </pc:picChg>
       </pc:sldChg>
       <pc:sldChg chg="modSp add mod">
-        <pc:chgData name="Charlotte Ruby Patterson" userId="5e4f2a4d-4d7e-4526-8ff8-c9f44bf0b6b7" providerId="ADAL" clId="{D31FD800-5519-4CBD-B48F-1780726ABED0}" dt="2025-04-03T01:24:37.647" v="522" actId="20577"/>
+        <pc:chgData name="Charlotte Ruby Patterson" userId="5e4f2a4d-4d7e-4526-8ff8-c9f44bf0b6b7" providerId="ADAL" clId="{D31FD800-5519-4CBD-B48F-1780726ABED0}" dt="2025-04-15T00:39:39.362" v="1626" actId="20577"/>
         <pc:sldMkLst>
           <pc:docMk/>
           <pc:sldMk cId="1371601781" sldId="265"/>
@@ -356,6 +356,14 @@
             <pc:docMk/>
             <pc:sldMk cId="1371601781" sldId="265"/>
             <ac:spMk id="2" creationId="{D808B9B5-8D56-7E22-DC7D-3588E8A95DAD}"/>
+          </ac:spMkLst>
+        </pc:spChg>
+        <pc:spChg chg="mod">
+          <ac:chgData name="Charlotte Ruby Patterson" userId="5e4f2a4d-4d7e-4526-8ff8-c9f44bf0b6b7" providerId="ADAL" clId="{D31FD800-5519-4CBD-B48F-1780726ABED0}" dt="2025-04-15T00:39:39.362" v="1626" actId="20577"/>
+          <ac:spMkLst>
+            <pc:docMk/>
+            <pc:sldMk cId="1371601781" sldId="265"/>
+            <ac:spMk id="3" creationId="{91067EC3-A3BD-296C-7F49-B08805173E11}"/>
           </ac:spMkLst>
         </pc:spChg>
       </pc:sldChg>
@@ -5400,6 +5408,16 @@
           <a:bodyPr/>
           <a:lstStyle/>
           <a:p>
+            <a:r>
+              <a:rPr lang="en-AU" dirty="0"/>
+              <a:t>Timeline</a:t>
+            </a:r>
+          </a:p>
+          <a:p>
+            <a:r>
+              <a:rPr lang="en-AU"/>
+              <a:t>Access resources</a:t>
+            </a:r>
             <a:endParaRPr lang="en-AU" dirty="0"/>
           </a:p>
         </p:txBody>
